--- a/ASP.NET MVC/08. IIS and Deployment of ASP.NET Applications/IIS and Deployment of ASP.NET Applications.pptx
+++ b/ASP.NET MVC/08. IIS and Deployment of ASP.NET Applications/IIS and Deployment of ASP.NET Applications.pptx
@@ -5,10 +5,10 @@
     <p:sldMasterId id="2147483672" r:id="rId1"/>
   </p:sldMasterIdLst>
   <p:notesMasterIdLst>
-    <p:notesMasterId r:id="rId28"/>
+    <p:notesMasterId r:id="rId29"/>
   </p:notesMasterIdLst>
   <p:handoutMasterIdLst>
-    <p:handoutMasterId r:id="rId29"/>
+    <p:handoutMasterId r:id="rId30"/>
   </p:handoutMasterIdLst>
   <p:sldIdLst>
     <p:sldId id="320" r:id="rId2"/>
@@ -34,9 +34,10 @@
     <p:sldId id="395" r:id="rId22"/>
     <p:sldId id="382" r:id="rId23"/>
     <p:sldId id="378" r:id="rId24"/>
-    <p:sldId id="334" r:id="rId25"/>
-    <p:sldId id="374" r:id="rId26"/>
-    <p:sldId id="333" r:id="rId27"/>
+    <p:sldId id="397" r:id="rId25"/>
+    <p:sldId id="334" r:id="rId26"/>
+    <p:sldId id="374" r:id="rId27"/>
+    <p:sldId id="333" r:id="rId28"/>
   </p:sldIdLst>
   <p:sldSz cx="9144000" cy="6858000" type="screen4x3"/>
   <p:notesSz cx="6881813" cy="9296400"/>
@@ -313,7 +314,7 @@
             <a:fld id="{3BF7C7B5-275F-4D1F-9AB4-9255447DBC73}" type="datetimeFigureOut">
               <a:rPr lang="en-US"/>
               <a:pPr/>
-              <a:t>10/30/2014</a:t>
+              <a:t>11/6/2014</a:t>
             </a:fld>
             <a:endParaRPr lang="en-US" dirty="0"/>
           </a:p>
@@ -544,7 +545,7 @@
             <a:fld id="{9B46F231-FB2B-4655-A644-E2477325E686}" type="datetimeFigureOut">
               <a:rPr lang="en-US"/>
               <a:pPr/>
-              <a:t>10/30/2014</a:t>
+              <a:t>11/6/2014</a:t>
             </a:fld>
             <a:endParaRPr lang="en-US" dirty="0"/>
           </a:p>
@@ -1627,7 +1628,7 @@
             <a:fld id="{7E89B841-8A48-48DC-813C-151166E312BA}" type="slidenum">
               <a:rPr lang="en-US"/>
               <a:pPr/>
-              <a:t>25</a:t>
+              <a:t>26</a:t>
             </a:fld>
             <a:r>
               <a:rPr lang="en-US" dirty="0"/>
@@ -6637,38 +6638,6 @@
       </p:sp>
       <p:pic>
         <p:nvPicPr>
-          <p:cNvPr id="2" name="Picture 1"/>
-          <p:cNvPicPr>
-            <a:picLocks noChangeAspect="1"/>
-          </p:cNvPicPr>
-          <p:nvPr/>
-        </p:nvPicPr>
-        <p:blipFill>
-          <a:blip r:embed="rId3" cstate="screen">
-            <a:extLst>
-              <a:ext uri="{28A0092B-C50C-407E-A947-70E740481C1C}">
-                <a14:useLocalDpi xmlns:a14="http://schemas.microsoft.com/office/drawing/2010/main"/>
-              </a:ext>
-            </a:extLst>
-          </a:blip>
-          <a:stretch>
-            <a:fillRect/>
-          </a:stretch>
-        </p:blipFill>
-        <p:spPr>
-          <a:xfrm>
-            <a:off x="5423696" y="4594578"/>
-            <a:ext cx="3179674" cy="1766485"/>
-          </a:xfrm>
-          <a:prstGeom prst="roundRect">
-            <a:avLst>
-              <a:gd name="adj" fmla="val 2422"/>
-            </a:avLst>
-          </a:prstGeom>
-        </p:spPr>
-      </p:pic>
-      <p:pic>
-        <p:nvPicPr>
           <p:cNvPr id="17" name="Picture 5"/>
           <p:cNvPicPr>
             <a:picLocks noChangeAspect="1" noChangeArrowheads="1"/>
@@ -6676,7 +6645,7 @@
           <p:nvPr/>
         </p:nvPicPr>
         <p:blipFill>
-          <a:blip r:embed="rId4">
+          <a:blip r:embed="rId3">
             <a:extLst>
               <a:ext uri="{28A0092B-C50C-407E-A947-70E740481C1C}">
                 <a14:useLocalDpi xmlns:a14="http://schemas.microsoft.com/office/drawing/2010/main"/>
@@ -6740,7 +6709,7 @@
           <p:nvPr/>
         </p:nvPicPr>
         <p:blipFill>
-          <a:blip r:embed="rId5">
+          <a:blip r:embed="rId4">
             <a:extLst>
               <a:ext uri="{28A0092B-C50C-407E-A947-70E740481C1C}">
                 <a14:useLocalDpi xmlns:a14="http://schemas.microsoft.com/office/drawing/2010/main"/>
@@ -6781,7 +6750,7 @@
           <p:nvPr/>
         </p:nvPicPr>
         <p:blipFill rotWithShape="1">
-          <a:blip r:embed="rId6" cstate="screen">
+          <a:blip r:embed="rId5" cstate="screen">
             <a:extLst>
               <a:ext uri="{28A0092B-C50C-407E-A947-70E740481C1C}">
                 <a14:useLocalDpi xmlns:a14="http://schemas.microsoft.com/office/drawing/2010/main"/>
@@ -6820,7 +6789,7 @@
           <p:nvPr/>
         </p:nvPicPr>
         <p:blipFill rotWithShape="1">
-          <a:blip r:embed="rId7" cstate="screen">
+          <a:blip r:embed="rId6" cstate="screen">
             <a:extLst>
               <a:ext uri="{28A0092B-C50C-407E-A947-70E740481C1C}">
                 <a14:useLocalDpi xmlns:a14="http://schemas.microsoft.com/office/drawing/2010/main"/>
@@ -6859,7 +6828,7 @@
           <p:nvPr/>
         </p:nvPicPr>
         <p:blipFill>
-          <a:blip r:embed="rId8">
+          <a:blip r:embed="rId7">
             <a:extLst>
               <a:ext uri="{28A0092B-C50C-407E-A947-70E740481C1C}">
                 <a14:useLocalDpi xmlns:a14="http://schemas.microsoft.com/office/drawing/2010/main"/>
@@ -6900,7 +6869,7 @@
           <p:nvPr/>
         </p:nvPicPr>
         <p:blipFill rotWithShape="1">
-          <a:blip r:embed="rId9" cstate="screen">
+          <a:blip r:embed="rId8" cstate="screen">
             <a:extLst>
               <a:ext uri="{28A0092B-C50C-407E-A947-70E740481C1C}">
                 <a14:useLocalDpi xmlns:a14="http://schemas.microsoft.com/office/drawing/2010/main"/>
@@ -7461,7 +7430,7 @@
           <a:p>
             <a:r>
               <a:rPr lang="en-US" dirty="0" smtClean="0">
-                <a:hlinkClick r:id="rId10"/>
+                <a:hlinkClick r:id="rId9"/>
               </a:rPr>
               <a:t>http://academy.telerik.com</a:t>
             </a:r>
@@ -7741,6 +7710,47 @@
           </a:p>
         </p:txBody>
       </p:sp>
+      <p:pic>
+        <p:nvPicPr>
+          <p:cNvPr id="1026" name="Picture 2" descr="http://www.arvixe.com/images/landing_pages/iis85_hosting.png"/>
+          <p:cNvPicPr>
+            <a:picLocks noChangeAspect="1" noChangeArrowheads="1"/>
+          </p:cNvPicPr>
+          <p:nvPr/>
+        </p:nvPicPr>
+        <p:blipFill>
+          <a:blip r:embed="rId10">
+            <a:extLst>
+              <a:ext uri="{28A0092B-C50C-407E-A947-70E740481C1C}">
+                <a14:useLocalDpi xmlns:a14="http://schemas.microsoft.com/office/drawing/2010/main" val="0"/>
+              </a:ext>
+            </a:extLst>
+          </a:blip>
+          <a:srcRect/>
+          <a:stretch>
+            <a:fillRect/>
+          </a:stretch>
+        </p:blipFill>
+        <p:spPr bwMode="auto">
+          <a:xfrm>
+            <a:off x="5974220" y="4267200"/>
+            <a:ext cx="2317514" cy="2317514"/>
+          </a:xfrm>
+          <a:prstGeom prst="rect">
+            <a:avLst/>
+          </a:prstGeom>
+          <a:noFill/>
+          <a:extLst>
+            <a:ext uri="{909E8E84-426E-40DD-AFC4-6F175D3DCCD1}">
+              <a14:hiddenFill xmlns:a14="http://schemas.microsoft.com/office/drawing/2010/main">
+                <a:solidFill>
+                  <a:srgbClr val="FFFFFF"/>
+                </a:solidFill>
+              </a14:hiddenFill>
+            </a:ext>
+          </a:extLst>
+        </p:spPr>
+      </p:pic>
     </p:spTree>
   </p:cSld>
   <p:clrMapOvr>
@@ -8114,7 +8124,25 @@
               <a:rPr lang="en-US" dirty="0" smtClean="0">
                 <a:hlinkClick r:id="rId2"/>
               </a:rPr>
-              <a:t>http://nakov.com</a:t>
+              <a:t>http</a:t>
+            </a:r>
+            <a:r>
+              <a:rPr lang="en-US" dirty="0" smtClean="0">
+                <a:hlinkClick r:id="rId2"/>
+              </a:rPr>
+              <a:t>://</a:t>
+            </a:r>
+            <a:r>
+              <a:rPr lang="en-US" dirty="0" smtClean="0">
+                <a:hlinkClick r:id="rId2"/>
+              </a:rPr>
+              <a:t>site</a:t>
+            </a:r>
+            <a:r>
+              <a:rPr lang="en-US" dirty="0" smtClean="0">
+                <a:hlinkClick r:id="rId2"/>
+              </a:rPr>
+              <a:t>.com</a:t>
             </a:r>
             <a:r>
               <a:rPr lang="en-US" dirty="0" smtClean="0"/>
@@ -10187,34 +10215,43 @@
       </p:sp>
       <p:pic>
         <p:nvPicPr>
-          <p:cNvPr id="7" name="Picture 6"/>
+          <p:cNvPr id="2050" name="Picture 2" descr="http://www.arvixe.com/images/landing_pages/iis85_hosting.png"/>
           <p:cNvPicPr>
-            <a:picLocks noChangeAspect="1"/>
+            <a:picLocks noChangeAspect="1" noChangeArrowheads="1"/>
           </p:cNvPicPr>
           <p:nvPr/>
         </p:nvPicPr>
         <p:blipFill>
-          <a:blip r:embed="rId3" cstate="screen">
+          <a:blip r:embed="rId3">
             <a:extLst>
               <a:ext uri="{28A0092B-C50C-407E-A947-70E740481C1C}">
-                <a14:useLocalDpi xmlns:a14="http://schemas.microsoft.com/office/drawing/2010/main"/>
+                <a14:useLocalDpi xmlns:a14="http://schemas.microsoft.com/office/drawing/2010/main" val="0"/>
               </a:ext>
             </a:extLst>
           </a:blip>
+          <a:srcRect/>
           <a:stretch>
             <a:fillRect/>
           </a:stretch>
         </p:blipFill>
-        <p:spPr>
+        <p:spPr bwMode="auto">
           <a:xfrm>
-            <a:off x="6105624" y="1295400"/>
-            <a:ext cx="2504976" cy="1391653"/>
+            <a:off x="6172200" y="838200"/>
+            <a:ext cx="2133600" cy="2133600"/>
           </a:xfrm>
-          <a:prstGeom prst="roundRect">
-            <a:avLst>
-              <a:gd name="adj" fmla="val 2422"/>
-            </a:avLst>
+          <a:prstGeom prst="rect">
+            <a:avLst/>
           </a:prstGeom>
+          <a:noFill/>
+          <a:extLst>
+            <a:ext uri="{909E8E84-426E-40DD-AFC4-6F175D3DCCD1}">
+              <a14:hiddenFill xmlns:a14="http://schemas.microsoft.com/office/drawing/2010/main">
+                <a:solidFill>
+                  <a:srgbClr val="FFFFFF"/>
+                </a:solidFill>
+              </a14:hiddenFill>
+            </a:ext>
+          </a:extLst>
         </p:spPr>
       </p:pic>
     </p:spTree>
@@ -11428,6 +11465,413 @@
       </p:grpSpPr>
       <p:sp>
         <p:nvSpPr>
+          <p:cNvPr id="5" name="Title 4"/>
+          <p:cNvSpPr>
+            <a:spLocks noGrp="1"/>
+          </p:cNvSpPr>
+          <p:nvPr>
+            <p:ph type="ctrTitle"/>
+          </p:nvPr>
+        </p:nvSpPr>
+        <p:spPr>
+          <a:xfrm>
+            <a:off x="609600" y="1447800"/>
+            <a:ext cx="7924800" cy="685800"/>
+          </a:xfrm>
+        </p:spPr>
+        <p:txBody>
+          <a:bodyPr/>
+          <a:lstStyle/>
+          <a:p>
+            <a:r>
+              <a:rPr lang="en-US" dirty="0" smtClean="0"/>
+              <a:t>Publish to Microsoft Azure</a:t>
+            </a:r>
+            <a:endParaRPr lang="en-US" dirty="0"/>
+          </a:p>
+        </p:txBody>
+      </p:sp>
+      <p:sp>
+        <p:nvSpPr>
+          <p:cNvPr id="6" name="Subtitle 5"/>
+          <p:cNvSpPr>
+            <a:spLocks noGrp="1"/>
+          </p:cNvSpPr>
+          <p:nvPr>
+            <p:ph type="subTitle" idx="1"/>
+          </p:nvPr>
+        </p:nvSpPr>
+        <p:spPr>
+          <a:xfrm>
+            <a:off x="609600" y="2250280"/>
+            <a:ext cx="7924800" cy="797720"/>
+          </a:xfrm>
+        </p:spPr>
+        <p:txBody>
+          <a:bodyPr/>
+          <a:lstStyle/>
+          <a:p>
+            <a:r>
+              <a:rPr lang="en-US" dirty="0" smtClean="0"/>
+              <a:t>Live </a:t>
+            </a:r>
+            <a:r>
+              <a:rPr lang="en-US" dirty="0" smtClean="0"/>
+              <a:t>Demo</a:t>
+            </a:r>
+            <a:br>
+              <a:rPr lang="en-US" dirty="0" smtClean="0"/>
+            </a:br>
+            <a:r>
+              <a:rPr lang="en-US" dirty="0" smtClean="0"/>
+              <a:t>PLEASE WORK, PLEASE WORK, PLEASE WORK!</a:t>
+            </a:r>
+            <a:endParaRPr lang="en-US" dirty="0"/>
+          </a:p>
+        </p:txBody>
+      </p:sp>
+      <p:pic>
+        <p:nvPicPr>
+          <p:cNvPr id="9" name="Picture 8"/>
+          <p:cNvPicPr>
+            <a:picLocks noChangeAspect="1"/>
+          </p:cNvPicPr>
+          <p:nvPr/>
+        </p:nvPicPr>
+        <p:blipFill>
+          <a:blip r:embed="rId2" cstate="screen">
+            <a:extLst>
+              <a:ext uri="{28A0092B-C50C-407E-A947-70E740481C1C}">
+                <a14:useLocalDpi xmlns:a14="http://schemas.microsoft.com/office/drawing/2010/main"/>
+              </a:ext>
+            </a:extLst>
+          </a:blip>
+          <a:stretch>
+            <a:fillRect/>
+          </a:stretch>
+        </p:blipFill>
+        <p:spPr>
+          <a:xfrm>
+            <a:off x="2450432" y="3276600"/>
+            <a:ext cx="3352800" cy="2631016"/>
+          </a:xfrm>
+          <a:prstGeom prst="rect">
+            <a:avLst/>
+          </a:prstGeom>
+        </p:spPr>
+      </p:pic>
+      <p:grpSp>
+        <p:nvGrpSpPr>
+          <p:cNvPr id="10" name="Group 9"/>
+          <p:cNvGrpSpPr/>
+          <p:nvPr/>
+        </p:nvGrpSpPr>
+        <p:grpSpPr>
+          <a:xfrm>
+            <a:off x="461209" y="3858998"/>
+            <a:ext cx="1530393" cy="1466218"/>
+            <a:chOff x="990600" y="2602706"/>
+            <a:chExt cx="2466975" cy="2363525"/>
+          </a:xfrm>
+        </p:grpSpPr>
+        <p:pic>
+          <p:nvPicPr>
+            <p:cNvPr id="11" name="Picture 2" descr="http://visualstudiomagazine.com/articles/2013/06/26/~/media/ECG/visualstudiomagazine/Images/introimages/VisualStudio2013.ashx"/>
+            <p:cNvPicPr>
+              <a:picLocks noChangeAspect="1" noChangeArrowheads="1"/>
+            </p:cNvPicPr>
+            <p:nvPr/>
+          </p:nvPicPr>
+          <p:blipFill>
+            <a:blip r:embed="rId3" cstate="screen">
+              <a:extLst>
+                <a:ext uri="{28A0092B-C50C-407E-A947-70E740481C1C}">
+                  <a14:useLocalDpi xmlns:a14="http://schemas.microsoft.com/office/drawing/2010/main"/>
+                </a:ext>
+              </a:extLst>
+            </a:blip>
+            <a:srcRect/>
+            <a:stretch>
+              <a:fillRect/>
+            </a:stretch>
+          </p:blipFill>
+          <p:spPr bwMode="auto">
+            <a:xfrm>
+              <a:off x="990600" y="3250406"/>
+              <a:ext cx="2466975" cy="1715825"/>
+            </a:xfrm>
+            <a:prstGeom prst="rect">
+              <a:avLst/>
+            </a:prstGeom>
+            <a:effectLst>
+              <a:outerShdw blurRad="63500" sx="102000" sy="102000" algn="ctr" rotWithShape="0">
+                <a:prstClr val="black">
+                  <a:alpha val="40000"/>
+                </a:prstClr>
+              </a:outerShdw>
+            </a:effectLst>
+            <a:extLst>
+              <a:ext uri="{909E8E84-426E-40DD-AFC4-6F175D3DCCD1}">
+                <a14:hiddenFill xmlns:a14="http://schemas.microsoft.com/office/drawing/2010/main">
+                  <a:solidFill>
+                    <a:srgbClr val="FFFFFF"/>
+                  </a:solidFill>
+                </a14:hiddenFill>
+              </a:ext>
+            </a:extLst>
+          </p:spPr>
+        </p:pic>
+        <p:pic>
+          <p:nvPicPr>
+            <p:cNvPr id="12" name="Picture 11"/>
+            <p:cNvPicPr>
+              <a:picLocks noChangeAspect="1"/>
+            </p:cNvPicPr>
+            <p:nvPr/>
+          </p:nvPicPr>
+          <p:blipFill>
+            <a:blip r:embed="rId4" cstate="screen">
+              <a:extLst>
+                <a:ext uri="{28A0092B-C50C-407E-A947-70E740481C1C}">
+                  <a14:useLocalDpi xmlns:a14="http://schemas.microsoft.com/office/drawing/2010/main"/>
+                </a:ext>
+              </a:extLst>
+            </a:blip>
+            <a:stretch>
+              <a:fillRect/>
+            </a:stretch>
+          </p:blipFill>
+          <p:spPr>
+            <a:xfrm>
+              <a:off x="990600" y="2602706"/>
+              <a:ext cx="2466975" cy="647700"/>
+            </a:xfrm>
+            <a:prstGeom prst="rect">
+              <a:avLst/>
+            </a:prstGeom>
+            <a:effectLst>
+              <a:outerShdw blurRad="63500" sx="102000" sy="102000" algn="ctr" rotWithShape="0">
+                <a:prstClr val="black">
+                  <a:alpha val="40000"/>
+                </a:prstClr>
+              </a:outerShdw>
+            </a:effectLst>
+          </p:spPr>
+        </p:pic>
+      </p:grpSp>
+      <p:cxnSp>
+        <p:nvCxnSpPr>
+          <p:cNvPr id="14" name="Straight Arrow Connector 13"/>
+          <p:cNvCxnSpPr/>
+          <p:nvPr/>
+        </p:nvCxnSpPr>
+        <p:spPr>
+          <a:xfrm>
+            <a:off x="2039730" y="4579861"/>
+            <a:ext cx="374606" cy="215"/>
+          </a:xfrm>
+          <a:prstGeom prst="straightConnector1">
+            <a:avLst/>
+          </a:prstGeom>
+          <a:ln w="31750">
+            <a:solidFill>
+              <a:schemeClr val="accent5">
+                <a:lumMod val="20000"/>
+                <a:lumOff val="80000"/>
+              </a:schemeClr>
+            </a:solidFill>
+            <a:headEnd type="none"/>
+            <a:tailEnd type="arrow"/>
+          </a:ln>
+        </p:spPr>
+        <p:style>
+          <a:lnRef idx="2">
+            <a:schemeClr val="accent5"/>
+          </a:lnRef>
+          <a:fillRef idx="0">
+            <a:schemeClr val="accent5"/>
+          </a:fillRef>
+          <a:effectRef idx="1">
+            <a:schemeClr val="accent5"/>
+          </a:effectRef>
+          <a:fontRef idx="minor">
+            <a:schemeClr val="tx1"/>
+          </a:fontRef>
+        </p:style>
+      </p:cxnSp>
+      <p:cxnSp>
+        <p:nvCxnSpPr>
+          <p:cNvPr id="15" name="Straight Arrow Connector 14"/>
+          <p:cNvCxnSpPr/>
+          <p:nvPr/>
+        </p:nvCxnSpPr>
+        <p:spPr>
+          <a:xfrm>
+            <a:off x="5827296" y="4579861"/>
+            <a:ext cx="374606" cy="215"/>
+          </a:xfrm>
+          <a:prstGeom prst="straightConnector1">
+            <a:avLst/>
+          </a:prstGeom>
+          <a:ln w="31750">
+            <a:solidFill>
+              <a:schemeClr val="accent5">
+                <a:lumMod val="20000"/>
+                <a:lumOff val="80000"/>
+              </a:schemeClr>
+            </a:solidFill>
+            <a:headEnd type="none"/>
+            <a:tailEnd type="arrow"/>
+          </a:ln>
+        </p:spPr>
+        <p:style>
+          <a:lnRef idx="2">
+            <a:schemeClr val="accent5"/>
+          </a:lnRef>
+          <a:fillRef idx="0">
+            <a:schemeClr val="accent5"/>
+          </a:fillRef>
+          <a:effectRef idx="1">
+            <a:schemeClr val="accent5"/>
+          </a:effectRef>
+          <a:fontRef idx="minor">
+            <a:schemeClr val="tx1"/>
+          </a:fontRef>
+        </p:style>
+      </p:cxnSp>
+      <p:pic>
+        <p:nvPicPr>
+          <p:cNvPr id="8" name="Picture 3"/>
+          <p:cNvPicPr>
+            <a:picLocks noChangeAspect="1" noChangeArrowheads="1"/>
+          </p:cNvPicPr>
+          <p:nvPr/>
+        </p:nvPicPr>
+        <p:blipFill rotWithShape="1">
+          <a:blip r:embed="rId5" cstate="screen">
+            <a:extLst>
+              <a:ext uri="{28A0092B-C50C-407E-A947-70E740481C1C}">
+                <a14:useLocalDpi xmlns:a14="http://schemas.microsoft.com/office/drawing/2010/main"/>
+              </a:ext>
+            </a:extLst>
+          </a:blip>
+          <a:srcRect l="-1608" t="-12667" r="4015" b="-12627"/>
+          <a:stretch/>
+        </p:blipFill>
+        <p:spPr bwMode="auto">
+          <a:xfrm rot="21177485">
+            <a:off x="4137707" y="3483108"/>
+            <a:ext cx="1968119" cy="821906"/>
+          </a:xfrm>
+          <a:prstGeom prst="roundRect">
+            <a:avLst>
+              <a:gd name="adj" fmla="val 10506"/>
+            </a:avLst>
+          </a:prstGeom>
+          <a:solidFill>
+            <a:srgbClr val="FFFFFF"/>
+          </a:solidFill>
+          <a:ln>
+            <a:noFill/>
+          </a:ln>
+          <a:effectLst>
+            <a:outerShdw blurRad="63500" sx="102000" sy="102000" algn="ctr" rotWithShape="0">
+              <a:prstClr val="black">
+                <a:alpha val="40000"/>
+              </a:prstClr>
+            </a:outerShdw>
+          </a:effectLst>
+          <a:scene3d>
+            <a:camera prst="perspectiveFront" fov="2700000">
+              <a:rot lat="20376000" lon="1938000" rev="20112001"/>
+            </a:camera>
+            <a:lightRig rig="soft" dir="t">
+              <a:rot lat="0" lon="0" rev="0"/>
+            </a:lightRig>
+          </a:scene3d>
+          <a:sp3d prstMaterial="powder">
+            <a:bevelT w="152400" h="25400" prst="softRound"/>
+          </a:sp3d>
+        </p:spPr>
+      </p:pic>
+      <p:pic>
+        <p:nvPicPr>
+          <p:cNvPr id="4098" name="Picture 2" descr="http://kemptechnologies.com/blog/wp-content/uploads/2014/07/micorosftazurelogo.jpg"/>
+          <p:cNvPicPr>
+            <a:picLocks noChangeAspect="1" noChangeArrowheads="1"/>
+          </p:cNvPicPr>
+          <p:nvPr/>
+        </p:nvPicPr>
+        <p:blipFill rotWithShape="1">
+          <a:blip r:embed="rId6" cstate="print">
+            <a:extLst>
+              <a:ext uri="{28A0092B-C50C-407E-A947-70E740481C1C}">
+                <a14:useLocalDpi xmlns:a14="http://schemas.microsoft.com/office/drawing/2010/main" val="0"/>
+              </a:ext>
+            </a:extLst>
+          </a:blip>
+          <a:srcRect l="9574" t="20747" r="10495" b="21122"/>
+          <a:stretch/>
+        </p:blipFill>
+        <p:spPr bwMode="auto">
+          <a:xfrm>
+            <a:off x="6238906" y="4104727"/>
+            <a:ext cx="2613234" cy="950267"/>
+          </a:xfrm>
+          <a:prstGeom prst="rect">
+            <a:avLst/>
+          </a:prstGeom>
+          <a:noFill/>
+          <a:extLst>
+            <a:ext uri="{909E8E84-426E-40DD-AFC4-6F175D3DCCD1}">
+              <a14:hiddenFill xmlns:a14="http://schemas.microsoft.com/office/drawing/2010/main">
+                <a:solidFill>
+                  <a:srgbClr val="FFFFFF"/>
+                </a:solidFill>
+              </a14:hiddenFill>
+            </a:ext>
+          </a:extLst>
+        </p:spPr>
+      </p:pic>
+    </p:spTree>
+    <p:extLst>
+      <p:ext uri="{BB962C8B-B14F-4D97-AF65-F5344CB8AC3E}">
+        <p14:creationId xmlns:p14="http://schemas.microsoft.com/office/powerpoint/2010/main" val="4037780635"/>
+      </p:ext>
+    </p:extLst>
+  </p:cSld>
+  <p:clrMapOvr>
+    <a:masterClrMapping/>
+  </p:clrMapOvr>
+  <p:timing>
+    <p:tnLst>
+      <p:par>
+        <p:cTn id="1" dur="indefinite" restart="never" nodeType="tmRoot"/>
+      </p:par>
+    </p:tnLst>
+  </p:timing>
+</p:sld>
+</file>
+
+<file path=ppt/slides/slide25.xml><?xml version="1.0" encoding="utf-8"?>
+<p:sld xmlns:a="http://schemas.openxmlformats.org/drawingml/2006/main" xmlns:r="http://schemas.openxmlformats.org/officeDocument/2006/relationships" xmlns:p="http://schemas.openxmlformats.org/presentationml/2006/main">
+  <p:cSld>
+    <p:spTree>
+      <p:nvGrpSpPr>
+        <p:cNvPr id="1" name=""/>
+        <p:cNvGrpSpPr/>
+        <p:nvPr/>
+      </p:nvGrpSpPr>
+      <p:grpSpPr>
+        <a:xfrm>
+          <a:off x="0" y="0"/>
+          <a:ext cx="0" cy="0"/>
+          <a:chOff x="0" y="0"/>
+          <a:chExt cx="0" cy="0"/>
+        </a:xfrm>
+      </p:grpSpPr>
+      <p:sp>
+        <p:nvSpPr>
           <p:cNvPr id="2" name="Title 1"/>
           <p:cNvSpPr>
             <a:spLocks noGrp="1"/>
@@ -11503,7 +11947,7 @@
 </p:sld>
 </file>
 
-<file path=ppt/slides/slide25.xml><?xml version="1.0" encoding="utf-8"?>
+<file path=ppt/slides/slide26.xml><?xml version="1.0" encoding="utf-8"?>
 <p:sld xmlns:a="http://schemas.openxmlformats.org/drawingml/2006/main" xmlns:r="http://schemas.openxmlformats.org/officeDocument/2006/relationships" xmlns:p="http://schemas.openxmlformats.org/presentationml/2006/main" show="0">
   <p:cSld>
     <p:spTree>
@@ -11705,7 +12149,7 @@
               <a:pPr>
                 <a:defRPr/>
               </a:pPr>
-              <a:t>25</a:t>
+              <a:t>26</a:t>
             </a:fld>
             <a:endParaRPr lang="en-US" dirty="0"/>
           </a:p>
@@ -11732,7 +12176,7 @@
 </p:sld>
 </file>
 
-<file path=ppt/slides/slide26.xml><?xml version="1.0" encoding="utf-8"?>
+<file path=ppt/slides/slide27.xml><?xml version="1.0" encoding="utf-8"?>
 <p:sld xmlns:a="http://schemas.openxmlformats.org/drawingml/2006/main" xmlns:r="http://schemas.openxmlformats.org/officeDocument/2006/relationships" xmlns:p="http://schemas.openxmlformats.org/presentationml/2006/main">
   <p:cSld>
     <p:spTree>
@@ -12354,8 +12798,8 @@
         </p:blipFill>
         <p:spPr bwMode="auto">
           <a:xfrm>
-            <a:off x="6553200" y="685800"/>
-            <a:ext cx="1952060" cy="1815170"/>
+            <a:off x="1751012" y="1274793"/>
+            <a:ext cx="2819400" cy="2621687"/>
           </a:xfrm>
           <a:prstGeom prst="roundRect">
             <a:avLst>
@@ -12732,6 +13176,12 @@
               <a:lnSpc>
                 <a:spcPct val="100000"/>
               </a:lnSpc>
+              <a:spcBef>
+                <a:spcPts val="300"/>
+              </a:spcBef>
+              <a:spcAft>
+                <a:spcPts val="300"/>
+              </a:spcAft>
             </a:pPr>
             <a:r>
               <a:rPr lang="en-US" dirty="0" smtClean="0"/>
@@ -12744,6 +13194,12 @@
               <a:lnSpc>
                 <a:spcPct val="100000"/>
               </a:lnSpc>
+              <a:spcBef>
+                <a:spcPts val="300"/>
+              </a:spcBef>
+              <a:spcAft>
+                <a:spcPts val="300"/>
+              </a:spcAft>
             </a:pPr>
             <a:r>
               <a:rPr lang="en-US" dirty="0" smtClean="0"/>
@@ -12775,6 +13231,12 @@
               <a:lnSpc>
                 <a:spcPct val="100000"/>
               </a:lnSpc>
+              <a:spcBef>
+                <a:spcPts val="300"/>
+              </a:spcBef>
+              <a:spcAft>
+                <a:spcPts val="300"/>
+              </a:spcAft>
             </a:pPr>
             <a:r>
               <a:rPr lang="en-US" dirty="0"/>
@@ -12799,6 +13261,12 @@
               <a:lnSpc>
                 <a:spcPct val="100000"/>
               </a:lnSpc>
+              <a:spcBef>
+                <a:spcPts val="300"/>
+              </a:spcBef>
+              <a:spcAft>
+                <a:spcPts val="300"/>
+              </a:spcAft>
             </a:pPr>
             <a:r>
               <a:rPr lang="en-US" dirty="0" smtClean="0"/>
@@ -12818,6 +13286,12 @@
               <a:lnSpc>
                 <a:spcPct val="100000"/>
               </a:lnSpc>
+              <a:spcBef>
+                <a:spcPts val="300"/>
+              </a:spcBef>
+              <a:spcAft>
+                <a:spcPts val="300"/>
+              </a:spcAft>
             </a:pPr>
             <a:r>
               <a:rPr lang="en-US" sz="3400" dirty="0"/>
@@ -12833,6 +13307,12 @@
               <a:lnSpc>
                 <a:spcPct val="100000"/>
               </a:lnSpc>
+              <a:spcBef>
+                <a:spcPts val="300"/>
+              </a:spcBef>
+              <a:spcAft>
+                <a:spcPts val="300"/>
+              </a:spcAft>
             </a:pPr>
             <a:r>
               <a:rPr lang="en-US" dirty="0" smtClean="0"/>
@@ -12844,6 +13324,12 @@
               <a:lnSpc>
                 <a:spcPct val="100000"/>
               </a:lnSpc>
+              <a:spcBef>
+                <a:spcPts val="300"/>
+              </a:spcBef>
+              <a:spcAft>
+                <a:spcPts val="300"/>
+              </a:spcAft>
             </a:pPr>
             <a:r>
               <a:rPr lang="en-US" sz="3400" dirty="0"/>
@@ -12876,6 +13362,12 @@
               <a:lnSpc>
                 <a:spcPct val="100000"/>
               </a:lnSpc>
+              <a:spcBef>
+                <a:spcPts val="300"/>
+              </a:spcBef>
+              <a:spcAft>
+                <a:spcPts val="300"/>
+              </a:spcAft>
             </a:pPr>
             <a:r>
               <a:rPr lang="en-US" dirty="0" smtClean="0"/>
@@ -12887,6 +13379,12 @@
               <a:lnSpc>
                 <a:spcPct val="100000"/>
               </a:lnSpc>
+              <a:spcBef>
+                <a:spcPts val="300"/>
+              </a:spcBef>
+              <a:spcAft>
+                <a:spcPts val="300"/>
+              </a:spcAft>
             </a:pPr>
             <a:r>
               <a:rPr lang="en-US" sz="3400" dirty="0"/>
@@ -12894,7 +13392,28 @@
             </a:r>
             <a:r>
               <a:rPr lang="en-US" sz="3400" dirty="0" smtClean="0"/>
-              <a:t>8 (Windows Server 2012)</a:t>
+              <a:t>8 (Windows Server 2012</a:t>
+            </a:r>
+            <a:r>
+              <a:rPr lang="en-US" sz="3400" dirty="0" smtClean="0"/>
+              <a:t>)</a:t>
+            </a:r>
+          </a:p>
+          <a:p>
+            <a:pPr>
+              <a:lnSpc>
+                <a:spcPct val="100000"/>
+              </a:lnSpc>
+              <a:spcBef>
+                <a:spcPts val="300"/>
+              </a:spcBef>
+              <a:spcAft>
+                <a:spcPts val="300"/>
+              </a:spcAft>
+            </a:pPr>
+            <a:r>
+              <a:rPr lang="en-US" sz="3400" dirty="0" smtClean="0"/>
+              <a:t>IIS 8.5 (Windows Server 2012 R2)</a:t>
             </a:r>
             <a:endParaRPr lang="bg-BG" sz="3400" dirty="0"/>
           </a:p>
@@ -13033,7 +13552,7 @@
         </p:nvSpPr>
         <p:spPr>
           <a:xfrm>
-            <a:off x="609600" y="4800600"/>
+            <a:off x="609600" y="4419600"/>
             <a:ext cx="7924800" cy="685800"/>
           </a:xfrm>
         </p:spPr>
@@ -13061,8 +13580,8 @@
         </p:nvSpPr>
         <p:spPr>
           <a:xfrm>
-            <a:off x="609600" y="5638800"/>
-            <a:ext cx="7924800" cy="569120"/>
+            <a:off x="609600" y="5334000"/>
+            <a:ext cx="7924800" cy="873920"/>
           </a:xfrm>
         </p:spPr>
         <p:txBody>
@@ -13071,7 +13590,18 @@
           <a:p>
             <a:r>
               <a:rPr lang="en-US" dirty="0" smtClean="0"/>
-              <a:t>Turn On / Off Windows Features, Web PI</a:t>
+              <a:t>Turn On / Off Windows </a:t>
+            </a:r>
+            <a:r>
+              <a:rPr lang="en-US" dirty="0" smtClean="0"/>
+              <a:t>Features,</a:t>
+            </a:r>
+            <a:br>
+              <a:rPr lang="en-US" dirty="0" smtClean="0"/>
+            </a:br>
+            <a:r>
+              <a:rPr lang="en-US" dirty="0" smtClean="0"/>
+              <a:t>Web Platform Installer</a:t>
             </a:r>
             <a:endParaRPr lang="en-US" dirty="0"/>
           </a:p>
